--- a/fig/api-overview-v03.pptx
+++ b/fig/api-overview-v03.pptx
@@ -251,7 +251,7 @@
               <a:pPr>
                 <a:defRPr/>
               </a:pPr>
-              <a:t>6/20/16</a:t>
+              <a:t>6/21/16</a:t>
             </a:fld>
             <a:endParaRPr lang="en-US"/>
           </a:p>
@@ -465,7 +465,7 @@
               <a:pPr>
                 <a:defRPr/>
               </a:pPr>
-              <a:t>6/20/16</a:t>
+              <a:t>6/21/16</a:t>
             </a:fld>
             <a:endParaRPr lang="en-US"/>
           </a:p>
@@ -1849,7 +1849,7 @@
               <a:pPr>
                 <a:defRPr/>
               </a:pPr>
-              <a:t>6/20/16</a:t>
+              <a:t>6/21/16</a:t>
             </a:fld>
             <a:endParaRPr lang="en-US"/>
           </a:p>
@@ -5204,20 +5204,12 @@
               <a:defRPr/>
             </a:pPr>
             <a:r>
-              <a:rPr lang="fr-FR" sz="1800" b="1" dirty="0" smtClean="0">
+              <a:rPr lang="en-US" sz="1800" b="1" dirty="0" smtClean="0">
                 <a:latin typeface="Open Sans Light" charset="0"/>
                 <a:ea typeface="Open Sans Light" charset="0"/>
                 <a:cs typeface="Open Sans Light" charset="0"/>
               </a:rPr>
-              <a:t>q</a:t>
-            </a:r>
-            <a:r>
-              <a:rPr lang="en-US" sz="1800" b="1" dirty="0" err="1" smtClean="0">
-                <a:latin typeface="Open Sans Light" charset="0"/>
-                <a:ea typeface="Open Sans Light" charset="0"/>
-                <a:cs typeface="Open Sans Light" charset="0"/>
-              </a:rPr>
-              <a:t>uality</a:t>
+              <a:t>quality </a:t>
             </a:r>
             <a:r>
               <a:rPr lang="en-US" sz="1800" b="1" dirty="0" smtClean="0">
@@ -5225,7 +5217,7 @@
                 <a:ea typeface="Open Sans Light" charset="0"/>
                 <a:cs typeface="Open Sans Light" charset="0"/>
               </a:rPr>
-              <a:t> scans</a:t>
+              <a:t>scans</a:t>
             </a:r>
             <a:endParaRPr lang="en-US" sz="1800" b="1" dirty="0">
               <a:latin typeface="Open Sans Light" charset="0"/>
@@ -7429,7 +7421,7 @@
   <a:extraClrSchemeLst/>
   <a:extLst>
     <a:ext uri="{05A4C25C-085E-4340-85A3-A5531E510DB2}">
-      <thm15:themeFamily xmlns="" xmlns:thm15="http://schemas.microsoft.com/office/thememl/2012/main" name="ConcurCorporateTemplate2013_Helvetica_16x9" id="{A09BE1D0-94B0-44B7-9420-2ECF7BB955CC}" vid="{59E5CBDF-7240-4762-BDFB-AAFD424E1AE9}"/>
+      <thm15:themeFamily xmlns:thm15="http://schemas.microsoft.com/office/thememl/2012/main" xmlns="" name="ConcurCorporateTemplate2013_Helvetica_16x9" id="{A09BE1D0-94B0-44B7-9420-2ECF7BB955CC}" vid="{59E5CBDF-7240-4762-BDFB-AAFD424E1AE9}"/>
     </a:ext>
   </a:extLst>
 </a:theme>
